--- a/NeuralNetworks.pptx
+++ b/NeuralNetworks.pptx
@@ -212,7 +212,7 @@
           <a:p>
             <a:fld id="{439B18EF-0913-4D1F-A602-DE1ED3B7DBAF}" type="datetimeFigureOut">
               <a:rPr lang="en-US" smtClean="0"/>
-              <a:t>1/18/2024</a:t>
+              <a:t>1/21/24</a:t>
             </a:fld>
             <a:endParaRPr lang="en-US"/>
           </a:p>
@@ -925,7 +925,7 @@
           <a:p>
             <a:fld id="{C5FB7A86-EF25-4381-A128-19BA6E5932CE}" type="datetimeFigureOut">
               <a:rPr lang="en-US" smtClean="0"/>
-              <a:t>1/18/2024</a:t>
+              <a:t>1/21/24</a:t>
             </a:fld>
             <a:endParaRPr lang="en-US"/>
           </a:p>
@@ -1123,7 +1123,7 @@
           <a:p>
             <a:fld id="{C5FB7A86-EF25-4381-A128-19BA6E5932CE}" type="datetimeFigureOut">
               <a:rPr lang="en-US" smtClean="0"/>
-              <a:t>1/18/2024</a:t>
+              <a:t>1/21/24</a:t>
             </a:fld>
             <a:endParaRPr lang="en-US"/>
           </a:p>
@@ -1331,7 +1331,7 @@
           <a:p>
             <a:fld id="{C5FB7A86-EF25-4381-A128-19BA6E5932CE}" type="datetimeFigureOut">
               <a:rPr lang="en-US" smtClean="0"/>
-              <a:t>1/18/2024</a:t>
+              <a:t>1/21/24</a:t>
             </a:fld>
             <a:endParaRPr lang="en-US"/>
           </a:p>
@@ -1529,7 +1529,7 @@
           <a:p>
             <a:fld id="{C5FB7A86-EF25-4381-A128-19BA6E5932CE}" type="datetimeFigureOut">
               <a:rPr lang="en-US" smtClean="0"/>
-              <a:t>1/18/2024</a:t>
+              <a:t>1/21/24</a:t>
             </a:fld>
             <a:endParaRPr lang="en-US"/>
           </a:p>
@@ -1804,7 +1804,7 @@
           <a:p>
             <a:fld id="{C5FB7A86-EF25-4381-A128-19BA6E5932CE}" type="datetimeFigureOut">
               <a:rPr lang="en-US" smtClean="0"/>
-              <a:t>1/18/2024</a:t>
+              <a:t>1/21/24</a:t>
             </a:fld>
             <a:endParaRPr lang="en-US"/>
           </a:p>
@@ -2069,7 +2069,7 @@
           <a:p>
             <a:fld id="{C5FB7A86-EF25-4381-A128-19BA6E5932CE}" type="datetimeFigureOut">
               <a:rPr lang="en-US" smtClean="0"/>
-              <a:t>1/18/2024</a:t>
+              <a:t>1/21/24</a:t>
             </a:fld>
             <a:endParaRPr lang="en-US"/>
           </a:p>
@@ -2481,7 +2481,7 @@
           <a:p>
             <a:fld id="{C5FB7A86-EF25-4381-A128-19BA6E5932CE}" type="datetimeFigureOut">
               <a:rPr lang="en-US" smtClean="0"/>
-              <a:t>1/18/2024</a:t>
+              <a:t>1/21/24</a:t>
             </a:fld>
             <a:endParaRPr lang="en-US"/>
           </a:p>
@@ -2622,7 +2622,7 @@
           <a:p>
             <a:fld id="{C5FB7A86-EF25-4381-A128-19BA6E5932CE}" type="datetimeFigureOut">
               <a:rPr lang="en-US" smtClean="0"/>
-              <a:t>1/18/2024</a:t>
+              <a:t>1/21/24</a:t>
             </a:fld>
             <a:endParaRPr lang="en-US"/>
           </a:p>
@@ -2735,7 +2735,7 @@
           <a:p>
             <a:fld id="{C5FB7A86-EF25-4381-A128-19BA6E5932CE}" type="datetimeFigureOut">
               <a:rPr lang="en-US" smtClean="0"/>
-              <a:t>1/18/2024</a:t>
+              <a:t>1/21/24</a:t>
             </a:fld>
             <a:endParaRPr lang="en-US"/>
           </a:p>
@@ -3046,7 +3046,7 @@
           <a:p>
             <a:fld id="{C5FB7A86-EF25-4381-A128-19BA6E5932CE}" type="datetimeFigureOut">
               <a:rPr lang="en-US" smtClean="0"/>
-              <a:t>1/18/2024</a:t>
+              <a:t>1/21/24</a:t>
             </a:fld>
             <a:endParaRPr lang="en-US"/>
           </a:p>
@@ -3334,7 +3334,7 @@
           <a:p>
             <a:fld id="{C5FB7A86-EF25-4381-A128-19BA6E5932CE}" type="datetimeFigureOut">
               <a:rPr lang="en-US" smtClean="0"/>
-              <a:t>1/18/2024</a:t>
+              <a:t>1/21/24</a:t>
             </a:fld>
             <a:endParaRPr lang="en-US"/>
           </a:p>
@@ -3575,7 +3575,7 @@
           <a:p>
             <a:fld id="{C5FB7A86-EF25-4381-A128-19BA6E5932CE}" type="datetimeFigureOut">
               <a:rPr lang="en-US" smtClean="0"/>
-              <a:t>1/18/2024</a:t>
+              <a:t>1/21/24</a:t>
             </a:fld>
             <a:endParaRPr lang="en-US"/>
           </a:p>
@@ -12269,10 +12269,10 @@
       </p:sp>
       <p:pic>
         <p:nvPicPr>
-          <p:cNvPr id="20" name="Picture 19" descr="A computer screen shot of text&#10;&#10;Description automatically generated">
-            <a:extLst>
-              <a:ext uri="{FF2B5EF4-FFF2-40B4-BE49-F238E27FC236}">
-                <a16:creationId xmlns:a16="http://schemas.microsoft.com/office/drawing/2014/main" id="{D4D7AAB0-0702-B94E-C25B-AB83D0DC40B6}"/>
+          <p:cNvPr id="6" name="Picture 5" descr="A screen shot of a computer program&#10;&#10;Description automatically generated">
+            <a:extLst>
+              <a:ext uri="{FF2B5EF4-FFF2-40B4-BE49-F238E27FC236}">
+                <a16:creationId xmlns:a16="http://schemas.microsoft.com/office/drawing/2014/main" id="{79437BA4-14B4-4BBA-4B29-C48CA3B3873F}"/>
               </a:ext>
             </a:extLst>
           </p:cNvPr>
@@ -12295,8 +12295,8 @@
         </p:blipFill>
         <p:spPr>
           <a:xfrm>
-            <a:off x="1974024" y="1757594"/>
-            <a:ext cx="8239190" cy="4886898"/>
+            <a:off x="2427874" y="1406927"/>
+            <a:ext cx="8721195" cy="5213228"/>
           </a:xfrm>
           <a:prstGeom prst="rect">
             <a:avLst/>
